--- a/NiỀM TIN VÀ SỰ KIÊN TRÌ.pptx
+++ b/NiỀM TIN VÀ SỰ KIÊN TRÌ.pptx
@@ -248,7 +248,8 @@
           <a:p>
             <a:fld id="{6B6B7856-B3AA-4D7C-B23B-7AF7E3D9D53B}" type="datetimeFigureOut">
               <a:rPr kumimoji="1" lang="ja-JP" altLang="en-US" smtClean="0"/>
-              <a:t>2022/4/1</a:t>
+              <a:pPr/>
+              <a:t>2022/4/4</a:t>
             </a:fld>
             <a:endParaRPr kumimoji="1" lang="ja-JP" altLang="en-US"/>
           </a:p>
@@ -994,6 +995,7 @@
           <a:p>
             <a:fld id="{044A508E-0820-4BE9-8B96-8127079F2B1E}" type="slidenum">
               <a:rPr kumimoji="1" lang="ja-JP" altLang="en-US" smtClean="0"/>
+              <a:pPr/>
               <a:t>‹#›</a:t>
             </a:fld>
             <a:endParaRPr kumimoji="1" lang="ja-JP" altLang="en-US"/>
@@ -1117,7 +1119,8 @@
           <a:p>
             <a:fld id="{6B6B7856-B3AA-4D7C-B23B-7AF7E3D9D53B}" type="datetimeFigureOut">
               <a:rPr kumimoji="1" lang="ja-JP" altLang="en-US" smtClean="0"/>
-              <a:t>2022/4/1</a:t>
+              <a:pPr/>
+              <a:t>2022/4/4</a:t>
             </a:fld>
             <a:endParaRPr kumimoji="1" lang="ja-JP" altLang="en-US"/>
           </a:p>
@@ -1159,6 +1162,7 @@
           <a:p>
             <a:fld id="{044A508E-0820-4BE9-8B96-8127079F2B1E}" type="slidenum">
               <a:rPr kumimoji="1" lang="ja-JP" altLang="en-US" smtClean="0"/>
+              <a:pPr/>
               <a:t>‹#›</a:t>
             </a:fld>
             <a:endParaRPr kumimoji="1" lang="ja-JP" altLang="en-US"/>
@@ -1292,7 +1296,8 @@
           <a:p>
             <a:fld id="{6B6B7856-B3AA-4D7C-B23B-7AF7E3D9D53B}" type="datetimeFigureOut">
               <a:rPr kumimoji="1" lang="ja-JP" altLang="en-US" smtClean="0"/>
-              <a:t>2022/4/1</a:t>
+              <a:pPr/>
+              <a:t>2022/4/4</a:t>
             </a:fld>
             <a:endParaRPr kumimoji="1" lang="ja-JP" altLang="en-US"/>
           </a:p>
@@ -1334,6 +1339,7 @@
           <a:p>
             <a:fld id="{044A508E-0820-4BE9-8B96-8127079F2B1E}" type="slidenum">
               <a:rPr kumimoji="1" lang="ja-JP" altLang="en-US" smtClean="0"/>
+              <a:pPr/>
               <a:t>‹#›</a:t>
             </a:fld>
             <a:endParaRPr kumimoji="1" lang="ja-JP" altLang="en-US"/>
@@ -1462,7 +1468,8 @@
           <a:p>
             <a:fld id="{6B6B7856-B3AA-4D7C-B23B-7AF7E3D9D53B}" type="datetimeFigureOut">
               <a:rPr kumimoji="1" lang="ja-JP" altLang="en-US" smtClean="0"/>
-              <a:t>2022/4/1</a:t>
+              <a:pPr/>
+              <a:t>2022/4/4</a:t>
             </a:fld>
             <a:endParaRPr kumimoji="1" lang="ja-JP" altLang="en-US"/>
           </a:p>
@@ -1485,6 +1492,7 @@
           <a:p>
             <a:fld id="{044A508E-0820-4BE9-8B96-8127079F2B1E}" type="slidenum">
               <a:rPr kumimoji="1" lang="ja-JP" altLang="en-US" smtClean="0"/>
+              <a:pPr/>
               <a:t>‹#›</a:t>
             </a:fld>
             <a:endParaRPr kumimoji="1" lang="ja-JP" altLang="en-US"/>
@@ -1672,7 +1680,8 @@
           <a:p>
             <a:fld id="{6B6B7856-B3AA-4D7C-B23B-7AF7E3D9D53B}" type="datetimeFigureOut">
               <a:rPr kumimoji="1" lang="ja-JP" altLang="en-US" smtClean="0"/>
-              <a:t>2022/4/1</a:t>
+              <a:pPr/>
+              <a:t>2022/4/4</a:t>
             </a:fld>
             <a:endParaRPr kumimoji="1" lang="ja-JP" altLang="en-US"/>
           </a:p>
@@ -2415,6 +2424,7 @@
           <a:p>
             <a:fld id="{044A508E-0820-4BE9-8B96-8127079F2B1E}" type="slidenum">
               <a:rPr kumimoji="1" lang="ja-JP" altLang="en-US" smtClean="0"/>
+              <a:pPr/>
               <a:t>‹#›</a:t>
             </a:fld>
             <a:endParaRPr kumimoji="1" lang="ja-JP" altLang="en-US"/>
@@ -2486,7 +2496,8 @@
           <a:p>
             <a:fld id="{6B6B7856-B3AA-4D7C-B23B-7AF7E3D9D53B}" type="datetimeFigureOut">
               <a:rPr kumimoji="1" lang="ja-JP" altLang="en-US" smtClean="0"/>
-              <a:t>2022/4/1</a:t>
+              <a:pPr/>
+              <a:t>2022/4/4</a:t>
             </a:fld>
             <a:endParaRPr kumimoji="1" lang="ja-JP" altLang="en-US"/>
           </a:p>
@@ -2528,6 +2539,7 @@
           <a:p>
             <a:fld id="{044A508E-0820-4BE9-8B96-8127079F2B1E}" type="slidenum">
               <a:rPr kumimoji="1" lang="ja-JP" altLang="en-US" smtClean="0"/>
+              <a:pPr/>
               <a:t>‹#›</a:t>
             </a:fld>
             <a:endParaRPr kumimoji="1" lang="ja-JP" altLang="en-US"/>
@@ -2722,7 +2734,8 @@
           <a:p>
             <a:fld id="{6B6B7856-B3AA-4D7C-B23B-7AF7E3D9D53B}" type="datetimeFigureOut">
               <a:rPr kumimoji="1" lang="ja-JP" altLang="en-US" smtClean="0"/>
-              <a:t>2022/4/1</a:t>
+              <a:pPr/>
+              <a:t>2022/4/4</a:t>
             </a:fld>
             <a:endParaRPr kumimoji="1" lang="ja-JP" altLang="en-US"/>
           </a:p>
@@ -2764,6 +2777,7 @@
           <a:p>
             <a:fld id="{044A508E-0820-4BE9-8B96-8127079F2B1E}" type="slidenum">
               <a:rPr kumimoji="1" lang="ja-JP" altLang="en-US" smtClean="0"/>
+              <a:pPr/>
               <a:t>‹#›</a:t>
             </a:fld>
             <a:endParaRPr kumimoji="1" lang="ja-JP" altLang="en-US"/>
@@ -3045,7 +3059,8 @@
           <a:p>
             <a:fld id="{6B6B7856-B3AA-4D7C-B23B-7AF7E3D9D53B}" type="datetimeFigureOut">
               <a:rPr kumimoji="1" lang="ja-JP" altLang="en-US" smtClean="0"/>
-              <a:t>2022/4/1</a:t>
+              <a:pPr/>
+              <a:t>2022/4/4</a:t>
             </a:fld>
             <a:endParaRPr kumimoji="1" lang="ja-JP" altLang="en-US"/>
           </a:p>
@@ -3068,6 +3083,7 @@
           <a:p>
             <a:fld id="{044A508E-0820-4BE9-8B96-8127079F2B1E}" type="slidenum">
               <a:rPr kumimoji="1" lang="ja-JP" altLang="en-US" smtClean="0"/>
+              <a:pPr/>
               <a:t>‹#›</a:t>
             </a:fld>
             <a:endParaRPr kumimoji="1" lang="ja-JP" altLang="en-US"/>
@@ -3135,7 +3151,8 @@
           <a:p>
             <a:fld id="{6B6B7856-B3AA-4D7C-B23B-7AF7E3D9D53B}" type="datetimeFigureOut">
               <a:rPr kumimoji="1" lang="ja-JP" altLang="en-US" smtClean="0"/>
-              <a:t>2022/4/1</a:t>
+              <a:pPr/>
+              <a:t>2022/4/4</a:t>
             </a:fld>
             <a:endParaRPr kumimoji="1" lang="ja-JP" altLang="en-US"/>
           </a:p>
@@ -3177,6 +3194,7 @@
           <a:p>
             <a:fld id="{044A508E-0820-4BE9-8B96-8127079F2B1E}" type="slidenum">
               <a:rPr kumimoji="1" lang="ja-JP" altLang="en-US" smtClean="0"/>
+              <a:pPr/>
               <a:t>‹#›</a:t>
             </a:fld>
             <a:endParaRPr kumimoji="1" lang="ja-JP" altLang="en-US"/>
@@ -3652,7 +3670,8 @@
           <a:p>
             <a:fld id="{6B6B7856-B3AA-4D7C-B23B-7AF7E3D9D53B}" type="datetimeFigureOut">
               <a:rPr kumimoji="1" lang="ja-JP" altLang="en-US" smtClean="0"/>
-              <a:t>2022/4/1</a:t>
+              <a:pPr/>
+              <a:t>2022/4/4</a:t>
             </a:fld>
             <a:endParaRPr kumimoji="1" lang="ja-JP" altLang="en-US"/>
           </a:p>
@@ -3675,6 +3694,7 @@
           <a:p>
             <a:fld id="{044A508E-0820-4BE9-8B96-8127079F2B1E}" type="slidenum">
               <a:rPr kumimoji="1" lang="ja-JP" altLang="en-US" smtClean="0"/>
+              <a:pPr/>
               <a:t>‹#›</a:t>
             </a:fld>
             <a:endParaRPr kumimoji="1" lang="ja-JP" altLang="en-US"/>
@@ -4163,7 +4183,8 @@
           <a:p>
             <a:fld id="{6B6B7856-B3AA-4D7C-B23B-7AF7E3D9D53B}" type="datetimeFigureOut">
               <a:rPr kumimoji="1" lang="ja-JP" altLang="en-US" smtClean="0"/>
-              <a:t>2022/4/1</a:t>
+              <a:pPr/>
+              <a:t>2022/4/4</a:t>
             </a:fld>
             <a:endParaRPr kumimoji="1" lang="ja-JP" altLang="en-US"/>
           </a:p>
@@ -4186,6 +4207,7 @@
           <a:p>
             <a:fld id="{044A508E-0820-4BE9-8B96-8127079F2B1E}" type="slidenum">
               <a:rPr kumimoji="1" lang="ja-JP" altLang="en-US" smtClean="0"/>
+              <a:pPr/>
               <a:t>‹#›</a:t>
             </a:fld>
             <a:endParaRPr kumimoji="1" lang="ja-JP" altLang="en-US"/>
@@ -4408,7 +4430,8 @@
           <a:p>
             <a:fld id="{6B6B7856-B3AA-4D7C-B23B-7AF7E3D9D53B}" type="datetimeFigureOut">
               <a:rPr kumimoji="1" lang="ja-JP" altLang="en-US" smtClean="0"/>
-              <a:t>2022/4/1</a:t>
+              <a:pPr/>
+              <a:t>2022/4/4</a:t>
             </a:fld>
             <a:endParaRPr kumimoji="1" lang="ja-JP" altLang="en-US"/>
           </a:p>
@@ -4684,6 +4707,7 @@
           <a:p>
             <a:fld id="{044A508E-0820-4BE9-8B96-8127079F2B1E}" type="slidenum">
               <a:rPr kumimoji="1" lang="ja-JP" altLang="en-US" smtClean="0"/>
+              <a:pPr/>
               <a:t>‹#›</a:t>
             </a:fld>
             <a:endParaRPr kumimoji="1" lang="ja-JP" altLang="en-US"/>
@@ -5333,11 +5357,7 @@
           <a:p>
             <a:r>
               <a:rPr lang="vi-VN" dirty="0" smtClean="0"/>
-              <a:t>Thiên tài khoa học từng bị đuổi </a:t>
-            </a:r>
-            <a:r>
-              <a:rPr lang="vi-VN" dirty="0" smtClean="0"/>
-              <a:t>t</a:t>
+              <a:t>Thiên tài khoa học từng bị đuổi t</a:t>
             </a:r>
             <a:r>
               <a:rPr lang="en-US" dirty="0" smtClean="0"/>
@@ -5345,15 +5365,7 @@
             </a:r>
             <a:r>
               <a:rPr lang="vi-VN" dirty="0" smtClean="0"/>
-              <a:t> </a:t>
-            </a:r>
-            <a:r>
-              <a:rPr lang="vi-VN" dirty="0" smtClean="0"/>
-              <a:t>tiểu </a:t>
-            </a:r>
-            <a:r>
-              <a:rPr lang="vi-VN" dirty="0" smtClean="0"/>
-              <a:t>học</a:t>
+              <a:t> tiểu học</a:t>
             </a:r>
             <a:endParaRPr lang="en-US" dirty="0" smtClean="0"/>
           </a:p>
@@ -5497,7 +5509,7 @@
           <a:p>
             <a:r>
               <a:rPr kumimoji="1" lang="en-US" altLang="ja-JP" dirty="0" err="1" smtClean="0"/>
-              <a:t>Yếu</a:t>
+              <a:t>Sự</a:t>
             </a:r>
             <a:r>
               <a:rPr kumimoji="1" lang="en-US" altLang="ja-JP" dirty="0" smtClean="0"/>
@@ -5505,7 +5517,66 @@
             </a:r>
             <a:r>
               <a:rPr kumimoji="1" lang="en-US" altLang="ja-JP" dirty="0" err="1" smtClean="0"/>
-              <a:t>tố</a:t>
+              <a:t>tự</a:t>
+            </a:r>
+            <a:r>
+              <a:rPr kumimoji="1" lang="en-US" altLang="ja-JP" dirty="0" smtClean="0"/>
+              <a:t> tin</a:t>
+            </a:r>
+          </a:p>
+          <a:p>
+            <a:r>
+              <a:rPr lang="en-US" altLang="ja-JP" dirty="0" err="1" smtClean="0"/>
+              <a:t>Sự</a:t>
+            </a:r>
+            <a:r>
+              <a:rPr lang="en-US" altLang="ja-JP" dirty="0" smtClean="0"/>
+              <a:t> </a:t>
+            </a:r>
+            <a:r>
+              <a:rPr lang="en-US" altLang="ja-JP" dirty="0" err="1" smtClean="0"/>
+              <a:t>tò</a:t>
+            </a:r>
+            <a:r>
+              <a:rPr lang="en-US" altLang="ja-JP" dirty="0" smtClean="0"/>
+              <a:t> </a:t>
+            </a:r>
+            <a:r>
+              <a:rPr lang="en-US" altLang="ja-JP" dirty="0" err="1" smtClean="0"/>
+              <a:t>mò</a:t>
+            </a:r>
+            <a:endParaRPr kumimoji="1" lang="en-US" altLang="ja-JP" dirty="0" smtClean="0"/>
+          </a:p>
+          <a:p>
+            <a:r>
+              <a:rPr lang="en-US" altLang="ja-JP" dirty="0" err="1" smtClean="0"/>
+              <a:t>Sự</a:t>
+            </a:r>
+            <a:r>
+              <a:rPr lang="en-US" altLang="ja-JP" dirty="0" smtClean="0"/>
+              <a:t> </a:t>
+            </a:r>
+            <a:r>
+              <a:rPr lang="en-US" altLang="ja-JP" dirty="0" err="1" smtClean="0"/>
+              <a:t>linh</a:t>
+            </a:r>
+            <a:r>
+              <a:rPr lang="en-US" altLang="ja-JP" dirty="0" smtClean="0"/>
+              <a:t> </a:t>
+            </a:r>
+            <a:r>
+              <a:rPr lang="en-US" altLang="ja-JP" dirty="0" err="1" smtClean="0"/>
+              <a:t>hoạt</a:t>
+            </a:r>
+            <a:r>
+              <a:rPr lang="en-US" altLang="ja-JP" dirty="0" smtClean="0"/>
+              <a:t> </a:t>
+            </a:r>
+          </a:p>
+          <a:p>
+            <a:r>
+              <a:rPr kumimoji="1" lang="en-US" altLang="ja-JP" dirty="0" err="1" smtClean="0"/>
+              <a:t>Sự</a:t>
             </a:r>
             <a:r>
               <a:rPr kumimoji="1" lang="en-US" altLang="ja-JP" dirty="0" smtClean="0"/>
@@ -5513,7 +5584,7 @@
             </a:r>
             <a:r>
               <a:rPr kumimoji="1" lang="en-US" altLang="ja-JP" dirty="0" err="1" smtClean="0"/>
-              <a:t>khách</a:t>
+              <a:t>lạc</a:t>
             </a:r>
             <a:r>
               <a:rPr kumimoji="1" lang="en-US" altLang="ja-JP" dirty="0" smtClean="0"/>
@@ -5528,7 +5599,7 @@
           <a:p>
             <a:r>
               <a:rPr lang="en-US" altLang="ja-JP" dirty="0" err="1" smtClean="0"/>
-              <a:t>Yếu</a:t>
+              <a:t>Sự</a:t>
             </a:r>
             <a:r>
               <a:rPr lang="en-US" altLang="ja-JP" dirty="0" smtClean="0"/>
@@ -5536,7 +5607,7 @@
             </a:r>
             <a:r>
               <a:rPr lang="en-US" altLang="ja-JP" dirty="0" err="1" smtClean="0"/>
-              <a:t>tố</a:t>
+              <a:t>kiên</a:t>
             </a:r>
             <a:r>
               <a:rPr lang="en-US" altLang="ja-JP" dirty="0" smtClean="0"/>
@@ -5544,15 +5615,46 @@
             </a:r>
             <a:r>
               <a:rPr lang="en-US" altLang="ja-JP" dirty="0" err="1" smtClean="0"/>
-              <a:t>chủ</a:t>
-            </a:r>
-            <a:r>
-              <a:rPr lang="en-US" altLang="ja-JP" dirty="0" smtClean="0"/>
+              <a:t>nhẫn</a:t>
+            </a:r>
+            <a:endParaRPr lang="en-US" altLang="ja-JP" dirty="0" smtClean="0"/>
+          </a:p>
+          <a:p>
+            <a:r>
+              <a:rPr kumimoji="1" lang="en-US" altLang="ja-JP" dirty="0" err="1" smtClean="0"/>
+              <a:t>Hiểu</a:t>
+            </a:r>
+            <a:r>
+              <a:rPr kumimoji="1" lang="en-US" altLang="ja-JP" dirty="0" smtClean="0"/>
               <a:t> </a:t>
             </a:r>
             <a:r>
-              <a:rPr lang="en-US" altLang="ja-JP" dirty="0" err="1" smtClean="0"/>
-              <a:t>quan</a:t>
+              <a:rPr kumimoji="1" lang="en-US" altLang="ja-JP" dirty="0" err="1" smtClean="0"/>
+              <a:t>rõ</a:t>
+            </a:r>
+            <a:r>
+              <a:rPr kumimoji="1" lang="en-US" altLang="ja-JP" dirty="0" smtClean="0"/>
+              <a:t> </a:t>
+            </a:r>
+            <a:r>
+              <a:rPr kumimoji="1" lang="en-US" altLang="ja-JP" dirty="0" err="1" smtClean="0"/>
+              <a:t>bản</a:t>
+            </a:r>
+            <a:r>
+              <a:rPr kumimoji="1" lang="en-US" altLang="ja-JP" dirty="0" smtClean="0"/>
+              <a:t> </a:t>
+            </a:r>
+            <a:r>
+              <a:rPr kumimoji="1" lang="en-US" altLang="ja-JP" dirty="0" err="1" smtClean="0"/>
+              <a:t>thân</a:t>
+            </a:r>
+            <a:r>
+              <a:rPr kumimoji="1" lang="en-US" altLang="ja-JP" dirty="0" smtClean="0"/>
+              <a:t> </a:t>
+            </a:r>
+            <a:r>
+              <a:rPr kumimoji="1" lang="en-US" altLang="ja-JP" dirty="0" err="1" smtClean="0"/>
+              <a:t>mình</a:t>
             </a:r>
             <a:endParaRPr kumimoji="1" lang="ja-JP" altLang="en-US"/>
           </a:p>
